--- a/Blog.pptx
+++ b/Blog.pptx
@@ -457,7 +457,7 @@
           <a:p>
             <a:fld id="{6F2D0512-B7A9-4688-8694-5F523AD4C87F}" type="datetimeFigureOut">
               <a:rPr lang="en-US" smtClean="0"/>
-              <a:t>4/20/2018</a:t>
+              <a:t>4/21/2018</a:t>
             </a:fld>
             <a:endParaRPr lang="en-US"/>
           </a:p>
@@ -1545,7 +1545,7 @@
           <a:p>
             <a:fld id="{6F2D0512-B7A9-4688-8694-5F523AD4C87F}" type="datetimeFigureOut">
               <a:rPr lang="en-US" smtClean="0"/>
-              <a:t>4/20/2018</a:t>
+              <a:t>4/21/2018</a:t>
             </a:fld>
             <a:endParaRPr lang="en-US"/>
           </a:p>
@@ -2525,7 +2525,7 @@
           <a:p>
             <a:fld id="{6F2D0512-B7A9-4688-8694-5F523AD4C87F}" type="datetimeFigureOut">
               <a:rPr lang="en-US" smtClean="0"/>
-              <a:t>4/20/2018</a:t>
+              <a:t>4/21/2018</a:t>
             </a:fld>
             <a:endParaRPr lang="en-US"/>
           </a:p>
@@ -3659,7 +3659,7 @@
           <a:p>
             <a:fld id="{6F2D0512-B7A9-4688-8694-5F523AD4C87F}" type="datetimeFigureOut">
               <a:rPr lang="en-US" smtClean="0"/>
-              <a:t>4/20/2018</a:t>
+              <a:t>4/21/2018</a:t>
             </a:fld>
             <a:endParaRPr lang="en-US"/>
           </a:p>
@@ -4692,7 +4692,7 @@
           <a:p>
             <a:fld id="{6F2D0512-B7A9-4688-8694-5F523AD4C87F}" type="datetimeFigureOut">
               <a:rPr lang="en-US" smtClean="0"/>
-              <a:t>4/20/2018</a:t>
+              <a:t>4/21/2018</a:t>
             </a:fld>
             <a:endParaRPr lang="en-US"/>
           </a:p>
@@ -5352,7 +5352,7 @@
           <a:p>
             <a:fld id="{6F2D0512-B7A9-4688-8694-5F523AD4C87F}" type="datetimeFigureOut">
               <a:rPr lang="en-US" smtClean="0"/>
-              <a:t>4/20/2018</a:t>
+              <a:t>4/21/2018</a:t>
             </a:fld>
             <a:endParaRPr lang="en-US"/>
           </a:p>
@@ -6213,7 +6213,7 @@
           <a:p>
             <a:fld id="{6F2D0512-B7A9-4688-8694-5F523AD4C87F}" type="datetimeFigureOut">
               <a:rPr lang="en-US" smtClean="0"/>
-              <a:t>4/20/2018</a:t>
+              <a:t>4/21/2018</a:t>
             </a:fld>
             <a:endParaRPr lang="en-US"/>
           </a:p>
@@ -6403,7 +6403,7 @@
           <a:p>
             <a:fld id="{6F2D0512-B7A9-4688-8694-5F523AD4C87F}" type="datetimeFigureOut">
               <a:rPr lang="en-US" smtClean="0"/>
-              <a:t>4/20/2018</a:t>
+              <a:t>4/21/2018</a:t>
             </a:fld>
             <a:endParaRPr lang="en-US"/>
           </a:p>
@@ -7375,7 +7375,7 @@
           <a:p>
             <a:fld id="{6F2D0512-B7A9-4688-8694-5F523AD4C87F}" type="datetimeFigureOut">
               <a:rPr lang="en-US" smtClean="0"/>
-              <a:t>4/20/2018</a:t>
+              <a:t>4/21/2018</a:t>
             </a:fld>
             <a:endParaRPr lang="en-US"/>
           </a:p>
@@ -7586,7 +7586,7 @@
           <a:p>
             <a:fld id="{6F2D0512-B7A9-4688-8694-5F523AD4C87F}" type="datetimeFigureOut">
               <a:rPr lang="en-US" smtClean="0"/>
-              <a:t>4/20/2018</a:t>
+              <a:t>4/21/2018</a:t>
             </a:fld>
             <a:endParaRPr lang="en-US"/>
           </a:p>
@@ -8620,7 +8620,7 @@
           <a:p>
             <a:fld id="{6F2D0512-B7A9-4688-8694-5F523AD4C87F}" type="datetimeFigureOut">
               <a:rPr lang="en-US" smtClean="0"/>
-              <a:t>4/20/2018</a:t>
+              <a:t>4/21/2018</a:t>
             </a:fld>
             <a:endParaRPr lang="en-US"/>
           </a:p>
@@ -8892,7 +8892,7 @@
           <a:p>
             <a:fld id="{6F2D0512-B7A9-4688-8694-5F523AD4C87F}" type="datetimeFigureOut">
               <a:rPr lang="en-US" smtClean="0"/>
-              <a:t>4/20/2018</a:t>
+              <a:t>4/21/2018</a:t>
             </a:fld>
             <a:endParaRPr lang="en-US"/>
           </a:p>
@@ -9302,7 +9302,7 @@
           <a:p>
             <a:fld id="{6F2D0512-B7A9-4688-8694-5F523AD4C87F}" type="datetimeFigureOut">
               <a:rPr lang="en-US" smtClean="0"/>
-              <a:t>4/20/2018</a:t>
+              <a:t>4/21/2018</a:t>
             </a:fld>
             <a:endParaRPr lang="en-US"/>
           </a:p>
@@ -9429,7 +9429,7 @@
           <a:p>
             <a:fld id="{6F2D0512-B7A9-4688-8694-5F523AD4C87F}" type="datetimeFigureOut">
               <a:rPr lang="en-US" smtClean="0"/>
-              <a:t>4/20/2018</a:t>
+              <a:t>4/21/2018</a:t>
             </a:fld>
             <a:endParaRPr lang="en-US"/>
           </a:p>
@@ -9524,7 +9524,7 @@
           <a:p>
             <a:fld id="{6F2D0512-B7A9-4688-8694-5F523AD4C87F}" type="datetimeFigureOut">
               <a:rPr lang="en-US" smtClean="0"/>
-              <a:t>4/20/2018</a:t>
+              <a:t>4/21/2018</a:t>
             </a:fld>
             <a:endParaRPr lang="en-US"/>
           </a:p>
@@ -10605,7 +10605,7 @@
           <a:p>
             <a:fld id="{6F2D0512-B7A9-4688-8694-5F523AD4C87F}" type="datetimeFigureOut">
               <a:rPr lang="en-US" smtClean="0"/>
-              <a:t>4/20/2018</a:t>
+              <a:t>4/21/2018</a:t>
             </a:fld>
             <a:endParaRPr lang="en-US"/>
           </a:p>
@@ -11713,7 +11713,7 @@
           <a:p>
             <a:fld id="{6F2D0512-B7A9-4688-8694-5F523AD4C87F}" type="datetimeFigureOut">
               <a:rPr lang="en-US" smtClean="0"/>
-              <a:t>4/20/2018</a:t>
+              <a:t>4/21/2018</a:t>
             </a:fld>
             <a:endParaRPr lang="en-US"/>
           </a:p>
@@ -12710,7 +12710,7 @@
           <a:p>
             <a:fld id="{6F2D0512-B7A9-4688-8694-5F523AD4C87F}" type="datetimeFigureOut">
               <a:rPr lang="en-US" smtClean="0"/>
-              <a:t>4/20/2018</a:t>
+              <a:t>4/21/2018</a:t>
             </a:fld>
             <a:endParaRPr lang="en-US"/>
           </a:p>
@@ -13677,7 +13677,7 @@
         </p:spPr>
         <p:txBody>
           <a:bodyPr>
-            <a:normAutofit fontScale="92500" lnSpcReduction="20000"/>
+            <a:normAutofit fontScale="92500" lnSpcReduction="10000"/>
           </a:bodyPr>
           <a:lstStyle/>
           <a:p>
@@ -13705,13 +13705,6 @@
             <a:r>
               <a:rPr lang="en-US" dirty="0"/>
               <a:t>Mongoose – Mongoose allows us to have access to the MongoDB commands for CRUD simply and easily </a:t>
-            </a:r>
-          </a:p>
-          <a:p>
-            <a:pPr lvl="1"/>
-            <a:r>
-              <a:rPr lang="en-US" dirty="0"/>
-              <a:t>Morgan - Morgan is used for logging request details</a:t>
             </a:r>
           </a:p>
           <a:p>
@@ -13841,7 +13834,12 @@
             <p:ph idx="1"/>
           </p:nvPr>
         </p:nvSpPr>
-        <p:spPr/>
+        <p:spPr>
+          <a:xfrm>
+            <a:off x="1154954" y="2603499"/>
+            <a:ext cx="9292329" cy="4144141"/>
+          </a:xfrm>
+        </p:spPr>
         <p:txBody>
           <a:bodyPr>
             <a:normAutofit lnSpcReduction="10000"/>
@@ -13888,6 +13886,25 @@
               <a:rPr lang="en-US" dirty="0"/>
               <a:t>User can also delete his own blog</a:t>
             </a:r>
+          </a:p>
+          <a:p>
+            <a:r>
+              <a:rPr lang="en-US" dirty="0"/>
+              <a:t>You can also check our project code at: </a:t>
+            </a:r>
+            <a:r>
+              <a:rPr lang="en-US" dirty="0">
+                <a:hlinkClick r:id="rId2"/>
+              </a:rPr>
+              <a:t>https://github.com/priyankapaladi/Web_Design_Project</a:t>
+            </a:r>
+            <a:endParaRPr lang="en-US" dirty="0"/>
+          </a:p>
+          <a:p>
+            <a:endParaRPr lang="en-US" dirty="0"/>
+          </a:p>
+          <a:p>
+            <a:endParaRPr lang="en-US" dirty="0"/>
           </a:p>
         </p:txBody>
       </p:sp>
